--- a/final_graphics/Pres_for_Tish.pptx
+++ b/final_graphics/Pres_for_Tish.pptx
@@ -5,13 +5,14 @@
     <p:sldMasterId id="2147483648" r:id="rId1"/>
   </p:sldMasterIdLst>
   <p:notesMasterIdLst>
-    <p:notesMasterId r:id="rId6"/>
+    <p:notesMasterId r:id="rId7"/>
   </p:notesMasterIdLst>
   <p:sldIdLst>
     <p:sldId id="258" r:id="rId2"/>
     <p:sldId id="256" r:id="rId3"/>
     <p:sldId id="259" r:id="rId4"/>
     <p:sldId id="257" r:id="rId5"/>
+    <p:sldId id="260" r:id="rId6"/>
   </p:sldIdLst>
   <p:sldSz cx="12192000" cy="6858000"/>
   <p:notesSz cx="6858000" cy="9144000"/>
@@ -4149,6 +4150,36 @@
           </a:prstGeom>
         </p:spPr>
       </p:pic>
+      <p:pic>
+        <p:nvPicPr>
+          <p:cNvPr id="6" name="Picture 5" descr="A graph of a number of data&#10;&#10;Description automatically generated with medium confidence">
+            <a:extLst>
+              <a:ext uri="{FF2B5EF4-FFF2-40B4-BE49-F238E27FC236}">
+                <a16:creationId xmlns:a16="http://schemas.microsoft.com/office/drawing/2014/main" id="{5B8AC3E0-E529-F94C-ADDE-5B25A16AD77F}"/>
+              </a:ext>
+            </a:extLst>
+          </p:cNvPr>
+          <p:cNvPicPr>
+            <a:picLocks noChangeAspect="1"/>
+          </p:cNvPicPr>
+          <p:nvPr/>
+        </p:nvPicPr>
+        <p:blipFill>
+          <a:blip r:embed="rId4"/>
+          <a:stretch>
+            <a:fillRect/>
+          </a:stretch>
+        </p:blipFill>
+        <p:spPr>
+          <a:xfrm>
+            <a:off x="2657707" y="0"/>
+            <a:ext cx="6876585" cy="6858000"/>
+          </a:xfrm>
+          <a:prstGeom prst="rect">
+            <a:avLst/>
+          </a:prstGeom>
+        </p:spPr>
+      </p:pic>
     </p:spTree>
     <p:extLst>
       <p:ext uri="{BB962C8B-B14F-4D97-AF65-F5344CB8AC3E}">
@@ -4333,6 +4364,116 @@
     <p:extLst>
       <p:ext uri="{BB962C8B-B14F-4D97-AF65-F5344CB8AC3E}">
         <p14:creationId xmlns:p14="http://schemas.microsoft.com/office/powerpoint/2010/main" val="74960789"/>
+      </p:ext>
+    </p:extLst>
+  </p:cSld>
+  <p:clrMapOvr>
+    <a:masterClrMapping/>
+  </p:clrMapOvr>
+</p:sld>
+</file>
+
+<file path=ppt/slides/slide5.xml><?xml version="1.0" encoding="utf-8"?>
+<p:sld xmlns:a="http://schemas.openxmlformats.org/drawingml/2006/main" xmlns:r="http://schemas.openxmlformats.org/officeDocument/2006/relationships" xmlns:p="http://schemas.openxmlformats.org/presentationml/2006/main">
+  <p:cSld>
+    <p:spTree>
+      <p:nvGrpSpPr>
+        <p:cNvPr id="1" name=""/>
+        <p:cNvGrpSpPr/>
+        <p:nvPr/>
+      </p:nvGrpSpPr>
+      <p:grpSpPr>
+        <a:xfrm>
+          <a:off x="0" y="0"/>
+          <a:ext cx="0" cy="0"/>
+          <a:chOff x="0" y="0"/>
+          <a:chExt cx="0" cy="0"/>
+        </a:xfrm>
+      </p:grpSpPr>
+      <p:sp>
+        <p:nvSpPr>
+          <p:cNvPr id="2" name="Title 1">
+            <a:extLst>
+              <a:ext uri="{FF2B5EF4-FFF2-40B4-BE49-F238E27FC236}">
+                <a16:creationId xmlns:a16="http://schemas.microsoft.com/office/drawing/2014/main" id="{08A90C54-F695-3C41-B333-5C25836A9B31}"/>
+              </a:ext>
+            </a:extLst>
+          </p:cNvPr>
+          <p:cNvSpPr>
+            <a:spLocks noGrp="1"/>
+          </p:cNvSpPr>
+          <p:nvPr>
+            <p:ph type="title"/>
+          </p:nvPr>
+        </p:nvSpPr>
+        <p:spPr/>
+        <p:txBody>
+          <a:bodyPr/>
+          <a:lstStyle/>
+          <a:p>
+            <a:endParaRPr lang="en-US"/>
+          </a:p>
+        </p:txBody>
+      </p:sp>
+      <p:sp>
+        <p:nvSpPr>
+          <p:cNvPr id="3" name="Content Placeholder 2">
+            <a:extLst>
+              <a:ext uri="{FF2B5EF4-FFF2-40B4-BE49-F238E27FC236}">
+                <a16:creationId xmlns:a16="http://schemas.microsoft.com/office/drawing/2014/main" id="{BA675308-534B-1A45-AAFC-6AC87D894C11}"/>
+              </a:ext>
+            </a:extLst>
+          </p:cNvPr>
+          <p:cNvSpPr>
+            <a:spLocks noGrp="1"/>
+          </p:cNvSpPr>
+          <p:nvPr>
+            <p:ph idx="1"/>
+          </p:nvPr>
+        </p:nvSpPr>
+        <p:spPr/>
+        <p:txBody>
+          <a:bodyPr/>
+          <a:lstStyle/>
+          <a:p>
+            <a:endParaRPr lang="en-US"/>
+          </a:p>
+        </p:txBody>
+      </p:sp>
+      <p:pic>
+        <p:nvPicPr>
+          <p:cNvPr id="4" name="Picture 3">
+            <a:extLst>
+              <a:ext uri="{FF2B5EF4-FFF2-40B4-BE49-F238E27FC236}">
+                <a16:creationId xmlns:a16="http://schemas.microsoft.com/office/drawing/2014/main" id="{D8D4538B-E402-FD46-92A5-32F57E6B6158}"/>
+              </a:ext>
+            </a:extLst>
+          </p:cNvPr>
+          <p:cNvPicPr>
+            <a:picLocks noChangeAspect="1"/>
+          </p:cNvPicPr>
+          <p:nvPr/>
+        </p:nvPicPr>
+        <p:blipFill>
+          <a:blip r:embed="rId2"/>
+          <a:stretch>
+            <a:fillRect/>
+          </a:stretch>
+        </p:blipFill>
+        <p:spPr>
+          <a:xfrm>
+            <a:off x="2657707" y="0"/>
+            <a:ext cx="6876585" cy="6858000"/>
+          </a:xfrm>
+          <a:prstGeom prst="rect">
+            <a:avLst/>
+          </a:prstGeom>
+        </p:spPr>
+      </p:pic>
+    </p:spTree>
+    <p:extLst>
+      <p:ext uri="{BB962C8B-B14F-4D97-AF65-F5344CB8AC3E}">
+        <p14:creationId xmlns:p14="http://schemas.microsoft.com/office/powerpoint/2010/main" val="2742818838"/>
       </p:ext>
     </p:extLst>
   </p:cSld>

--- a/final_graphics/Pres_for_Tish.pptx
+++ b/final_graphics/Pres_for_Tish.pptx
@@ -4144,36 +4144,6 @@
           <a:xfrm>
             <a:off x="3352800" y="457200"/>
             <a:ext cx="5486400" cy="6400800"/>
-          </a:xfrm>
-          <a:prstGeom prst="rect">
-            <a:avLst/>
-          </a:prstGeom>
-        </p:spPr>
-      </p:pic>
-      <p:pic>
-        <p:nvPicPr>
-          <p:cNvPr id="6" name="Picture 5" descr="A graph of a number of data&#10;&#10;Description automatically generated with medium confidence">
-            <a:extLst>
-              <a:ext uri="{FF2B5EF4-FFF2-40B4-BE49-F238E27FC236}">
-                <a16:creationId xmlns:a16="http://schemas.microsoft.com/office/drawing/2014/main" id="{5B8AC3E0-E529-F94C-ADDE-5B25A16AD77F}"/>
-              </a:ext>
-            </a:extLst>
-          </p:cNvPr>
-          <p:cNvPicPr>
-            <a:picLocks noChangeAspect="1"/>
-          </p:cNvPicPr>
-          <p:nvPr/>
-        </p:nvPicPr>
-        <p:blipFill>
-          <a:blip r:embed="rId4"/>
-          <a:stretch>
-            <a:fillRect/>
-          </a:stretch>
-        </p:blipFill>
-        <p:spPr>
-          <a:xfrm>
-            <a:off x="2657707" y="0"/>
-            <a:ext cx="6876585" cy="6858000"/>
           </a:xfrm>
           <a:prstGeom prst="rect">
             <a:avLst/>
